--- a/advanced_data_testing.pptx
+++ b/advanced_data_testing.pptx
@@ -7175,6 +7175,68 @@
           <a:bodyPr/>
           <a:lstStyle/>
           <a:p>
+            <a:r>
+              <a:rPr lang="en-US" dirty="0" smtClean="0"/>
+              <a:t>By </a:t>
+            </a:r>
+            <a:r>
+              <a:rPr lang="en-US" dirty="0" err="1" smtClean="0"/>
+              <a:t>adrian</a:t>
+            </a:r>
+            <a:r>
+              <a:rPr lang="en-US" dirty="0" smtClean="0"/>
+              <a:t> </a:t>
+            </a:r>
+            <a:r>
+              <a:rPr lang="en-US" dirty="0" err="1" smtClean="0"/>
+              <a:t>witas</a:t>
+            </a:r>
+            <a:endParaRPr lang="en-US" dirty="0"/>
+          </a:p>
+        </p:txBody>
+      </p:sp>
+      <p:sp>
+        <p:nvSpPr>
+          <p:cNvPr id="4" name="TextBox 3"/>
+          <p:cNvSpPr txBox="1"/>
+          <p:nvPr/>
+        </p:nvSpPr>
+        <p:spPr>
+          <a:xfrm>
+            <a:off x="3432192" y="432966"/>
+            <a:ext cx="4832477" cy="369332"/>
+          </a:xfrm>
+          <a:prstGeom prst="rect">
+            <a:avLst/>
+          </a:prstGeom>
+          <a:noFill/>
+        </p:spPr>
+        <p:txBody>
+          <a:bodyPr wrap="none" rtlCol="0">
+            <a:spAutoFit/>
+          </a:bodyPr>
+          <a:lstStyle/>
+          <a:p>
+            <a:r>
+              <a:rPr lang="en-US" dirty="0" smtClean="0"/>
+              <a:t>https://github.com/</a:t>
+            </a:r>
+            <a:r>
+              <a:rPr lang="en-US" dirty="0" err="1" smtClean="0"/>
+              <a:t>adrianwit</a:t>
+            </a:r>
+            <a:r>
+              <a:rPr lang="en-US" dirty="0" smtClean="0"/>
+              <a:t>/</a:t>
+            </a:r>
+            <a:r>
+              <a:rPr lang="en-US" dirty="0" err="1" smtClean="0"/>
+              <a:t>golang</a:t>
+            </a:r>
+            <a:r>
+              <a:rPr lang="en-US" dirty="0" smtClean="0"/>
+              <a:t>-data-testing/</a:t>
+            </a:r>
             <a:endParaRPr lang="en-US" dirty="0"/>
           </a:p>
         </p:txBody>
@@ -11535,27 +11597,27 @@
           <a:lstStyle/>
           <a:p>
             <a:r>
-              <a:rPr lang="en-US" dirty="0"/>
+              <a:rPr lang="en-US" dirty="0" smtClean="0"/>
               <a:t>https://github.com/</a:t>
             </a:r>
             <a:r>
-              <a:rPr lang="en-US" dirty="0" err="1"/>
+              <a:rPr lang="en-US" dirty="0" err="1" smtClean="0"/>
               <a:t>adrianwit</a:t>
             </a:r>
             <a:r>
-              <a:rPr lang="en-US" dirty="0"/>
+              <a:rPr lang="en-US" dirty="0" smtClean="0"/>
               <a:t>/</a:t>
             </a:r>
             <a:r>
-              <a:rPr lang="en-US" dirty="0" err="1"/>
+              <a:rPr lang="en-US" dirty="0" err="1" smtClean="0"/>
               <a:t>golang</a:t>
             </a:r>
             <a:r>
-              <a:rPr lang="en-US" dirty="0"/>
+              <a:rPr lang="en-US" dirty="0" smtClean="0"/>
               <a:t>-data-testing/tree/master/</a:t>
             </a:r>
             <a:r>
-              <a:rPr lang="en-US" dirty="0" err="1"/>
+              <a:rPr lang="en-US" dirty="0" err="1" smtClean="0"/>
               <a:t>config_use_case</a:t>
             </a:r>
             <a:endParaRPr lang="en-US" dirty="0"/>
